--- a/MatchifyPres.pptx
+++ b/MatchifyPres.pptx
@@ -6,7 +6,11 @@
   </p:sldMasterIdLst>
   <p:sldIdLst>
     <p:sldId id="256" r:id="rId2"/>
-    <p:sldId id="257" r:id="rId3"/>
+    <p:sldId id="258" r:id="rId3"/>
+    <p:sldId id="259" r:id="rId4"/>
+    <p:sldId id="257" r:id="rId5"/>
+    <p:sldId id="260" r:id="rId6"/>
+    <p:sldId id="261" r:id="rId7"/>
   </p:sldIdLst>
   <p:sldSz cx="12192000" cy="6858000"/>
   <p:notesSz cx="6858000" cy="9144000"/>
@@ -105,6 +109,11 @@
       </a:defRPr>
     </a:lvl9pPr>
   </p:defaultTextStyle>
+  <p:extLst>
+    <p:ext uri="{EFAFB233-063F-42B5-8137-9DF3F51BA10A}">
+      <p15:sldGuideLst xmlns:p15="http://schemas.microsoft.com/office/powerpoint/2012/main"/>
+    </p:ext>
+  </p:extLst>
 </p:presentation>
 </file>
 
@@ -5859,6 +5868,14 @@
 <file path=ppt/slides/slide2.xml><?xml version="1.0" encoding="utf-8"?>
 <p:sld xmlns:a="http://schemas.openxmlformats.org/drawingml/2006/main" xmlns:r="http://schemas.openxmlformats.org/officeDocument/2006/relationships" xmlns:p="http://schemas.openxmlformats.org/presentationml/2006/main">
   <p:cSld>
+    <p:bg>
+      <p:bgPr>
+        <a:solidFill>
+          <a:schemeClr val="tx1"/>
+        </a:solidFill>
+        <a:effectLst/>
+      </p:bgPr>
+    </p:bg>
     <p:spTree>
       <p:nvGrpSpPr>
         <p:cNvPr id="1" name=""/>
@@ -5873,6 +5890,296 @@
           <a:chExt cx="0" cy="0"/>
         </a:xfrm>
       </p:grpSpPr>
+      <p:pic>
+        <p:nvPicPr>
+          <p:cNvPr id="5" name="Picture 4">
+            <a:extLst>
+              <a:ext uri="{FF2B5EF4-FFF2-40B4-BE49-F238E27FC236}">
+                <a16:creationId xmlns:a16="http://schemas.microsoft.com/office/drawing/2014/main" id="{F6841D2A-6C7D-47E8-B845-04C789678BAA}"/>
+              </a:ext>
+            </a:extLst>
+          </p:cNvPr>
+          <p:cNvPicPr>
+            <a:picLocks noChangeAspect="1"/>
+          </p:cNvPicPr>
+          <p:nvPr/>
+        </p:nvPicPr>
+        <p:blipFill rotWithShape="1">
+          <a:blip r:embed="rId2"/>
+          <a:srcRect l="17722" t="23552" r="17672" b="24683"/>
+          <a:stretch/>
+        </p:blipFill>
+        <p:spPr>
+          <a:xfrm>
+            <a:off x="3422708" y="302004"/>
+            <a:ext cx="4160940" cy="1392572"/>
+          </a:xfrm>
+          <a:prstGeom prst="rect">
+            <a:avLst/>
+          </a:prstGeom>
+        </p:spPr>
+      </p:pic>
+      <p:pic>
+        <p:nvPicPr>
+          <p:cNvPr id="6" name="Picture 5">
+            <a:extLst>
+              <a:ext uri="{FF2B5EF4-FFF2-40B4-BE49-F238E27FC236}">
+                <a16:creationId xmlns:a16="http://schemas.microsoft.com/office/drawing/2014/main" id="{59DACF53-B7B9-4210-81CE-A4BCD3710A46}"/>
+              </a:ext>
+            </a:extLst>
+          </p:cNvPr>
+          <p:cNvPicPr>
+            <a:picLocks noChangeAspect="1"/>
+          </p:cNvPicPr>
+          <p:nvPr/>
+        </p:nvPicPr>
+        <p:blipFill>
+          <a:blip r:embed="rId3"/>
+          <a:stretch>
+            <a:fillRect/>
+          </a:stretch>
+        </p:blipFill>
+        <p:spPr>
+          <a:xfrm>
+            <a:off x="5618268" y="2244941"/>
+            <a:ext cx="6095299" cy="3428605"/>
+          </a:xfrm>
+          <a:prstGeom prst="rect">
+            <a:avLst/>
+          </a:prstGeom>
+        </p:spPr>
+      </p:pic>
+      <p:pic>
+        <p:nvPicPr>
+          <p:cNvPr id="7" name="Picture 6">
+            <a:extLst>
+              <a:ext uri="{FF2B5EF4-FFF2-40B4-BE49-F238E27FC236}">
+                <a16:creationId xmlns:a16="http://schemas.microsoft.com/office/drawing/2014/main" id="{7BC43F05-5967-4342-9516-2269F9B6E386}"/>
+              </a:ext>
+            </a:extLst>
+          </p:cNvPr>
+          <p:cNvPicPr>
+            <a:picLocks noChangeAspect="1"/>
+          </p:cNvPicPr>
+          <p:nvPr/>
+        </p:nvPicPr>
+        <p:blipFill>
+          <a:blip r:embed="rId4"/>
+          <a:stretch>
+            <a:fillRect/>
+          </a:stretch>
+        </p:blipFill>
+        <p:spPr>
+          <a:xfrm>
+            <a:off x="920861" y="1694576"/>
+            <a:ext cx="4088883" cy="2453330"/>
+          </a:xfrm>
+          <a:prstGeom prst="rect">
+            <a:avLst/>
+          </a:prstGeom>
+        </p:spPr>
+      </p:pic>
+      <p:pic>
+        <p:nvPicPr>
+          <p:cNvPr id="8" name="Picture 7">
+            <a:extLst>
+              <a:ext uri="{FF2B5EF4-FFF2-40B4-BE49-F238E27FC236}">
+                <a16:creationId xmlns:a16="http://schemas.microsoft.com/office/drawing/2014/main" id="{8A74BFEC-9D02-4CFD-9FDF-370FA311EE8D}"/>
+              </a:ext>
+            </a:extLst>
+          </p:cNvPr>
+          <p:cNvPicPr>
+            <a:picLocks noChangeAspect="1"/>
+          </p:cNvPicPr>
+          <p:nvPr/>
+        </p:nvPicPr>
+        <p:blipFill>
+          <a:blip r:embed="rId5"/>
+          <a:stretch>
+            <a:fillRect/>
+          </a:stretch>
+        </p:blipFill>
+        <p:spPr>
+          <a:xfrm>
+            <a:off x="920861" y="4292525"/>
+            <a:ext cx="4088883" cy="2298201"/>
+          </a:xfrm>
+          <a:prstGeom prst="rect">
+            <a:avLst/>
+          </a:prstGeom>
+        </p:spPr>
+      </p:pic>
+    </p:spTree>
+    <p:extLst>
+      <p:ext uri="{BB962C8B-B14F-4D97-AF65-F5344CB8AC3E}">
+        <p14:creationId xmlns:p14="http://schemas.microsoft.com/office/powerpoint/2010/main" val="2420817302"/>
+      </p:ext>
+    </p:extLst>
+  </p:cSld>
+  <p:clrMapOvr>
+    <a:masterClrMapping/>
+  </p:clrMapOvr>
+</p:sld>
+</file>
+
+<file path=ppt/slides/slide3.xml><?xml version="1.0" encoding="utf-8"?>
+<p:sld xmlns:a="http://schemas.openxmlformats.org/drawingml/2006/main" xmlns:r="http://schemas.openxmlformats.org/officeDocument/2006/relationships" xmlns:p="http://schemas.openxmlformats.org/presentationml/2006/main">
+  <p:cSld>
+    <p:spTree>
+      <p:nvGrpSpPr>
+        <p:cNvPr id="1" name=""/>
+        <p:cNvGrpSpPr/>
+        <p:nvPr/>
+      </p:nvGrpSpPr>
+      <p:grpSpPr>
+        <a:xfrm>
+          <a:off x="0" y="0"/>
+          <a:ext cx="0" cy="0"/>
+          <a:chOff x="0" y="0"/>
+          <a:chExt cx="0" cy="0"/>
+        </a:xfrm>
+      </p:grpSpPr>
+      <p:pic>
+        <p:nvPicPr>
+          <p:cNvPr id="4" name="Picture 3">
+            <a:extLst>
+              <a:ext uri="{FF2B5EF4-FFF2-40B4-BE49-F238E27FC236}">
+                <a16:creationId xmlns:a16="http://schemas.microsoft.com/office/drawing/2014/main" id="{53C6F9A3-A33C-4113-80D1-493EFCC457F1}"/>
+              </a:ext>
+            </a:extLst>
+          </p:cNvPr>
+          <p:cNvPicPr>
+            <a:picLocks noChangeAspect="1"/>
+          </p:cNvPicPr>
+          <p:nvPr/>
+        </p:nvPicPr>
+        <p:blipFill>
+          <a:blip r:embed="rId2"/>
+          <a:stretch>
+            <a:fillRect/>
+          </a:stretch>
+        </p:blipFill>
+        <p:spPr>
+          <a:xfrm>
+            <a:off x="0" y="774342"/>
+            <a:ext cx="5997027" cy="5309316"/>
+          </a:xfrm>
+          <a:prstGeom prst="rect">
+            <a:avLst/>
+          </a:prstGeom>
+        </p:spPr>
+      </p:pic>
+      <p:pic>
+        <p:nvPicPr>
+          <p:cNvPr id="5" name="Picture 4">
+            <a:extLst>
+              <a:ext uri="{FF2B5EF4-FFF2-40B4-BE49-F238E27FC236}">
+                <a16:creationId xmlns:a16="http://schemas.microsoft.com/office/drawing/2014/main" id="{66C69549-017C-4CD9-99C8-2260CC3C4891}"/>
+              </a:ext>
+            </a:extLst>
+          </p:cNvPr>
+          <p:cNvPicPr>
+            <a:picLocks noChangeAspect="1"/>
+          </p:cNvPicPr>
+          <p:nvPr/>
+        </p:nvPicPr>
+        <p:blipFill rotWithShape="1">
+          <a:blip r:embed="rId3"/>
+          <a:srcRect r="19362"/>
+          <a:stretch/>
+        </p:blipFill>
+        <p:spPr>
+          <a:xfrm>
+            <a:off x="6096000" y="774342"/>
+            <a:ext cx="6096000" cy="5309316"/>
+          </a:xfrm>
+          <a:prstGeom prst="rect">
+            <a:avLst/>
+          </a:prstGeom>
+        </p:spPr>
+      </p:pic>
+      <p:sp>
+        <p:nvSpPr>
+          <p:cNvPr id="6" name="Rectangle 5">
+            <a:extLst>
+              <a:ext uri="{FF2B5EF4-FFF2-40B4-BE49-F238E27FC236}">
+                <a16:creationId xmlns:a16="http://schemas.microsoft.com/office/drawing/2014/main" id="{276BF607-EA3F-4AA0-B5C0-E6FCA412C949}"/>
+              </a:ext>
+            </a:extLst>
+          </p:cNvPr>
+          <p:cNvSpPr/>
+          <p:nvPr/>
+        </p:nvSpPr>
+        <p:spPr>
+          <a:xfrm>
+            <a:off x="6194973" y="3501956"/>
+            <a:ext cx="633844" cy="184827"/>
+          </a:xfrm>
+          <a:prstGeom prst="rect">
+            <a:avLst/>
+          </a:prstGeom>
+          <a:solidFill>
+            <a:srgbClr val="121212"/>
+          </a:solidFill>
+          <a:ln>
+            <a:noFill/>
+          </a:ln>
+        </p:spPr>
+        <p:style>
+          <a:lnRef idx="2">
+            <a:schemeClr val="accent1">
+              <a:shade val="50000"/>
+            </a:schemeClr>
+          </a:lnRef>
+          <a:fillRef idx="1">
+            <a:schemeClr val="accent1"/>
+          </a:fillRef>
+          <a:effectRef idx="0">
+            <a:schemeClr val="accent1"/>
+          </a:effectRef>
+          <a:fontRef idx="minor">
+            <a:schemeClr val="lt1"/>
+          </a:fontRef>
+        </p:style>
+        <p:txBody>
+          <a:bodyPr rtlCol="0" anchor="ctr"/>
+          <a:lstStyle/>
+          <a:p>
+            <a:pPr algn="ctr"/>
+            <a:endParaRPr lang="en-US"/>
+          </a:p>
+        </p:txBody>
+      </p:sp>
+    </p:spTree>
+    <p:extLst>
+      <p:ext uri="{BB962C8B-B14F-4D97-AF65-F5344CB8AC3E}">
+        <p14:creationId xmlns:p14="http://schemas.microsoft.com/office/powerpoint/2010/main" val="3286371493"/>
+      </p:ext>
+    </p:extLst>
+  </p:cSld>
+  <p:clrMapOvr>
+    <a:masterClrMapping/>
+  </p:clrMapOvr>
+</p:sld>
+</file>
+
+<file path=ppt/slides/slide4.xml><?xml version="1.0" encoding="utf-8"?>
+<p:sld xmlns:a="http://schemas.openxmlformats.org/drawingml/2006/main" xmlns:r="http://schemas.openxmlformats.org/officeDocument/2006/relationships" xmlns:p="http://schemas.openxmlformats.org/presentationml/2006/main">
+  <p:cSld>
+    <p:spTree>
+      <p:nvGrpSpPr>
+        <p:cNvPr id="1" name=""/>
+        <p:cNvGrpSpPr/>
+        <p:nvPr/>
+      </p:nvGrpSpPr>
+      <p:grpSpPr>
+        <a:xfrm>
+          <a:off x="0" y="0"/>
+          <a:ext cx="0" cy="0"/>
+          <a:chOff x="0" y="0"/>
+          <a:chExt cx="0" cy="0"/>
+        </a:xfrm>
+      </p:grpSpPr>
       <p:sp>
         <p:nvSpPr>
           <p:cNvPr id="2" name="Title 1">
@@ -5896,7 +6203,23 @@
           <a:p>
             <a:r>
               <a:rPr lang="en-US" dirty="0"/>
-              <a:t>Ever wonder who you listen to the most?</a:t>
+              <a:t>[</a:t>
+            </a:r>
+            <a:r>
+              <a:rPr lang="en-US" dirty="0" err="1"/>
+              <a:t>OuR</a:t>
+            </a:r>
+            <a:r>
+              <a:rPr lang="en-US" dirty="0"/>
+              <a:t> app </a:t>
+            </a:r>
+            <a:r>
+              <a:rPr lang="en-US" dirty="0" err="1"/>
+              <a:t>PIctures</a:t>
+            </a:r>
+            <a:r>
+              <a:rPr lang="en-US" dirty="0"/>
+              <a:t>]</a:t>
             </a:r>
           </a:p>
         </p:txBody>
@@ -5922,7 +6245,7 @@
           <a:bodyPr/>
           <a:lstStyle/>
           <a:p>
-            <a:endParaRPr lang="en-US"/>
+            <a:endParaRPr lang="en-US" dirty="0"/>
           </a:p>
         </p:txBody>
       </p:sp>
@@ -5930,6 +6253,312 @@
     <p:extLst>
       <p:ext uri="{BB962C8B-B14F-4D97-AF65-F5344CB8AC3E}">
         <p14:creationId xmlns:p14="http://schemas.microsoft.com/office/powerpoint/2010/main" val="3631943919"/>
+      </p:ext>
+    </p:extLst>
+  </p:cSld>
+  <p:clrMapOvr>
+    <a:masterClrMapping/>
+  </p:clrMapOvr>
+</p:sld>
+</file>
+
+<file path=ppt/slides/slide5.xml><?xml version="1.0" encoding="utf-8"?>
+<p:sld xmlns:a="http://schemas.openxmlformats.org/drawingml/2006/main" xmlns:r="http://schemas.openxmlformats.org/officeDocument/2006/relationships" xmlns:p="http://schemas.openxmlformats.org/presentationml/2006/main">
+  <p:cSld>
+    <p:spTree>
+      <p:nvGrpSpPr>
+        <p:cNvPr id="1" name=""/>
+        <p:cNvGrpSpPr/>
+        <p:nvPr/>
+      </p:nvGrpSpPr>
+      <p:grpSpPr>
+        <a:xfrm>
+          <a:off x="0" y="0"/>
+          <a:ext cx="0" cy="0"/>
+          <a:chOff x="0" y="0"/>
+          <a:chExt cx="0" cy="0"/>
+        </a:xfrm>
+      </p:grpSpPr>
+      <p:pic>
+        <p:nvPicPr>
+          <p:cNvPr id="5" name="Picture 4">
+            <a:extLst>
+              <a:ext uri="{FF2B5EF4-FFF2-40B4-BE49-F238E27FC236}">
+                <a16:creationId xmlns:a16="http://schemas.microsoft.com/office/drawing/2014/main" id="{C6548B12-12AE-42DB-9FE1-33CCECB462F1}"/>
+              </a:ext>
+            </a:extLst>
+          </p:cNvPr>
+          <p:cNvPicPr>
+            <a:picLocks noChangeAspect="1"/>
+          </p:cNvPicPr>
+          <p:nvPr/>
+        </p:nvPicPr>
+        <p:blipFill>
+          <a:blip r:embed="rId2"/>
+          <a:stretch>
+            <a:fillRect/>
+          </a:stretch>
+        </p:blipFill>
+        <p:spPr>
+          <a:xfrm>
+            <a:off x="99170" y="179100"/>
+            <a:ext cx="5843646" cy="1847849"/>
+          </a:xfrm>
+          <a:prstGeom prst="rect">
+            <a:avLst/>
+          </a:prstGeom>
+        </p:spPr>
+      </p:pic>
+      <p:pic>
+        <p:nvPicPr>
+          <p:cNvPr id="6" name="Picture 5">
+            <a:extLst>
+              <a:ext uri="{FF2B5EF4-FFF2-40B4-BE49-F238E27FC236}">
+                <a16:creationId xmlns:a16="http://schemas.microsoft.com/office/drawing/2014/main" id="{8FBBEB9E-CE71-4410-B934-863894200FEC}"/>
+              </a:ext>
+            </a:extLst>
+          </p:cNvPr>
+          <p:cNvPicPr>
+            <a:picLocks noChangeAspect="1"/>
+          </p:cNvPicPr>
+          <p:nvPr/>
+        </p:nvPicPr>
+        <p:blipFill rotWithShape="1">
+          <a:blip r:embed="rId3"/>
+          <a:srcRect t="15568" b="15641"/>
+          <a:stretch/>
+        </p:blipFill>
+        <p:spPr>
+          <a:xfrm>
+            <a:off x="6459658" y="230715"/>
+            <a:ext cx="5072233" cy="1744618"/>
+          </a:xfrm>
+          <a:prstGeom prst="rect">
+            <a:avLst/>
+          </a:prstGeom>
+        </p:spPr>
+      </p:pic>
+      <p:pic>
+        <p:nvPicPr>
+          <p:cNvPr id="7" name="Picture 6">
+            <a:extLst>
+              <a:ext uri="{FF2B5EF4-FFF2-40B4-BE49-F238E27FC236}">
+                <a16:creationId xmlns:a16="http://schemas.microsoft.com/office/drawing/2014/main" id="{DAB20675-F0EC-4137-BA6B-B9E66F20F222}"/>
+              </a:ext>
+            </a:extLst>
+          </p:cNvPr>
+          <p:cNvPicPr>
+            <a:picLocks noChangeAspect="1"/>
+          </p:cNvPicPr>
+          <p:nvPr/>
+        </p:nvPicPr>
+        <p:blipFill>
+          <a:blip r:embed="rId4"/>
+          <a:stretch>
+            <a:fillRect/>
+          </a:stretch>
+        </p:blipFill>
+        <p:spPr>
+          <a:xfrm>
+            <a:off x="6249184" y="5079859"/>
+            <a:ext cx="5450589" cy="1660622"/>
+          </a:xfrm>
+          <a:prstGeom prst="rect">
+            <a:avLst/>
+          </a:prstGeom>
+        </p:spPr>
+      </p:pic>
+      <p:pic>
+        <p:nvPicPr>
+          <p:cNvPr id="8" name="Picture 7">
+            <a:extLst>
+              <a:ext uri="{FF2B5EF4-FFF2-40B4-BE49-F238E27FC236}">
+                <a16:creationId xmlns:a16="http://schemas.microsoft.com/office/drawing/2014/main" id="{AFC1DD4D-16D5-4329-98F7-69550F0E7932}"/>
+              </a:ext>
+            </a:extLst>
+          </p:cNvPr>
+          <p:cNvPicPr>
+            <a:picLocks noChangeAspect="1"/>
+          </p:cNvPicPr>
+          <p:nvPr/>
+        </p:nvPicPr>
+        <p:blipFill rotWithShape="1">
+          <a:blip r:embed="rId5"/>
+          <a:srcRect l="23194" r="19772"/>
+          <a:stretch/>
+        </p:blipFill>
+        <p:spPr>
+          <a:xfrm>
+            <a:off x="192368" y="2847681"/>
+            <a:ext cx="3021806" cy="1601557"/>
+          </a:xfrm>
+          <a:prstGeom prst="rect">
+            <a:avLst/>
+          </a:prstGeom>
+        </p:spPr>
+      </p:pic>
+      <p:pic>
+        <p:nvPicPr>
+          <p:cNvPr id="9" name="Picture 8">
+            <a:extLst>
+              <a:ext uri="{FF2B5EF4-FFF2-40B4-BE49-F238E27FC236}">
+                <a16:creationId xmlns:a16="http://schemas.microsoft.com/office/drawing/2014/main" id="{08E637F6-09B3-4E44-94A2-F1A1E7B17062}"/>
+              </a:ext>
+            </a:extLst>
+          </p:cNvPr>
+          <p:cNvPicPr>
+            <a:picLocks noChangeAspect="1"/>
+          </p:cNvPicPr>
+          <p:nvPr/>
+        </p:nvPicPr>
+        <p:blipFill>
+          <a:blip r:embed="rId6"/>
+          <a:stretch>
+            <a:fillRect/>
+          </a:stretch>
+        </p:blipFill>
+        <p:spPr>
+          <a:xfrm>
+            <a:off x="274403" y="5185018"/>
+            <a:ext cx="5493180" cy="1514475"/>
+          </a:xfrm>
+          <a:prstGeom prst="rect">
+            <a:avLst/>
+          </a:prstGeom>
+        </p:spPr>
+      </p:pic>
+      <p:pic>
+        <p:nvPicPr>
+          <p:cNvPr id="10" name="Picture 9">
+            <a:extLst>
+              <a:ext uri="{FF2B5EF4-FFF2-40B4-BE49-F238E27FC236}">
+                <a16:creationId xmlns:a16="http://schemas.microsoft.com/office/drawing/2014/main" id="{96163645-A18E-4CBC-8FF9-E44B68F7580E}"/>
+              </a:ext>
+            </a:extLst>
+          </p:cNvPr>
+          <p:cNvPicPr>
+            <a:picLocks noChangeAspect="1"/>
+          </p:cNvPicPr>
+          <p:nvPr/>
+        </p:nvPicPr>
+        <p:blipFill>
+          <a:blip r:embed="rId7"/>
+          <a:stretch>
+            <a:fillRect/>
+          </a:stretch>
+        </p:blipFill>
+        <p:spPr>
+          <a:xfrm>
+            <a:off x="9232799" y="2629479"/>
+            <a:ext cx="2466975" cy="1847850"/>
+          </a:xfrm>
+          <a:prstGeom prst="rect">
+            <a:avLst/>
+          </a:prstGeom>
+        </p:spPr>
+      </p:pic>
+      <p:pic>
+        <p:nvPicPr>
+          <p:cNvPr id="11" name="Picture 10">
+            <a:extLst>
+              <a:ext uri="{FF2B5EF4-FFF2-40B4-BE49-F238E27FC236}">
+                <a16:creationId xmlns:a16="http://schemas.microsoft.com/office/drawing/2014/main" id="{3DB49F45-C417-471E-B342-DF84006D4E16}"/>
+              </a:ext>
+            </a:extLst>
+          </p:cNvPr>
+          <p:cNvPicPr>
+            <a:picLocks noChangeAspect="1"/>
+          </p:cNvPicPr>
+          <p:nvPr/>
+        </p:nvPicPr>
+        <p:blipFill>
+          <a:blip r:embed="rId8"/>
+          <a:stretch>
+            <a:fillRect/>
+          </a:stretch>
+        </p:blipFill>
+        <p:spPr>
+          <a:xfrm>
+            <a:off x="3502595" y="2180109"/>
+            <a:ext cx="5493180" cy="2746590"/>
+          </a:xfrm>
+          <a:prstGeom prst="rect">
+            <a:avLst/>
+          </a:prstGeom>
+        </p:spPr>
+      </p:pic>
+    </p:spTree>
+    <p:extLst>
+      <p:ext uri="{BB962C8B-B14F-4D97-AF65-F5344CB8AC3E}">
+        <p14:creationId xmlns:p14="http://schemas.microsoft.com/office/powerpoint/2010/main" val="1757616191"/>
+      </p:ext>
+    </p:extLst>
+  </p:cSld>
+  <p:clrMapOvr>
+    <a:masterClrMapping/>
+  </p:clrMapOvr>
+</p:sld>
+</file>
+
+<file path=ppt/slides/slide6.xml><?xml version="1.0" encoding="utf-8"?>
+<p:sld xmlns:a="http://schemas.openxmlformats.org/drawingml/2006/main" xmlns:r="http://schemas.openxmlformats.org/officeDocument/2006/relationships" xmlns:p="http://schemas.openxmlformats.org/presentationml/2006/main">
+  <p:cSld>
+    <p:spTree>
+      <p:nvGrpSpPr>
+        <p:cNvPr id="1" name=""/>
+        <p:cNvGrpSpPr/>
+        <p:nvPr/>
+      </p:nvGrpSpPr>
+      <p:grpSpPr>
+        <a:xfrm>
+          <a:off x="0" y="0"/>
+          <a:ext cx="0" cy="0"/>
+          <a:chOff x="0" y="0"/>
+          <a:chExt cx="0" cy="0"/>
+        </a:xfrm>
+      </p:grpSpPr>
+      <p:sp>
+        <p:nvSpPr>
+          <p:cNvPr id="4" name="TextBox 3">
+            <a:extLst>
+              <a:ext uri="{FF2B5EF4-FFF2-40B4-BE49-F238E27FC236}">
+                <a16:creationId xmlns:a16="http://schemas.microsoft.com/office/drawing/2014/main" id="{BBF2D4A7-193B-45EA-BA26-0A1AE9B32731}"/>
+              </a:ext>
+            </a:extLst>
+          </p:cNvPr>
+          <p:cNvSpPr txBox="1"/>
+          <p:nvPr/>
+        </p:nvSpPr>
+        <p:spPr>
+          <a:xfrm>
+            <a:off x="1190625" y="2644170"/>
+            <a:ext cx="9810750" cy="1569660"/>
+          </a:xfrm>
+          <a:prstGeom prst="rect">
+            <a:avLst/>
+          </a:prstGeom>
+          <a:noFill/>
+        </p:spPr>
+        <p:txBody>
+          <a:bodyPr wrap="square" rtlCol="0">
+            <a:spAutoFit/>
+          </a:bodyPr>
+          <a:lstStyle/>
+          <a:p>
+            <a:pPr algn="ctr"/>
+            <a:r>
+              <a:rPr lang="en-US" sz="9600" b="1" dirty="0">
+                <a:latin typeface="+mj-lt"/>
+              </a:rPr>
+              <a:t>Demo</a:t>
+            </a:r>
+          </a:p>
+        </p:txBody>
+      </p:sp>
+    </p:spTree>
+    <p:extLst>
+      <p:ext uri="{BB962C8B-B14F-4D97-AF65-F5344CB8AC3E}">
+        <p14:creationId xmlns:p14="http://schemas.microsoft.com/office/powerpoint/2010/main" val="666224122"/>
       </p:ext>
     </p:extLst>
   </p:cSld>
